--- a/slides/Figures.pptx
+++ b/slides/Figures.pptx
@@ -6,6 +6,7 @@
   </p:sldMasterIdLst>
   <p:sldIdLst>
     <p:sldId id="256" r:id="rId2"/>
+    <p:sldId id="257" r:id="rId3"/>
   </p:sldIdLst>
   <p:sldSz cx="12192000" cy="6858000"/>
   <p:notesSz cx="6858000" cy="9144000"/>
@@ -3342,7 +3343,7 @@
           <a:bodyPr/>
           <a:lstStyle/>
           <a:p>
-            <a:endParaRPr lang="en-US"/>
+            <a:endParaRPr lang="en-US" dirty="0"/>
           </a:p>
         </p:txBody>
       </p:sp>
@@ -3375,6 +3376,187 @@
     <p:extLst>
       <p:ext uri="{BB962C8B-B14F-4D97-AF65-F5344CB8AC3E}">
         <p14:creationId xmlns:p14="http://schemas.microsoft.com/office/powerpoint/2010/main" val="2335105301"/>
+      </p:ext>
+    </p:extLst>
+  </p:cSld>
+  <p:clrMapOvr>
+    <a:masterClrMapping/>
+  </p:clrMapOvr>
+</p:sld>
+</file>
+
+<file path=ppt/slides/slide2.xml><?xml version="1.0" encoding="utf-8"?>
+<p:sld xmlns:a="http://schemas.openxmlformats.org/drawingml/2006/main" xmlns:r="http://schemas.openxmlformats.org/officeDocument/2006/relationships" xmlns:p="http://schemas.openxmlformats.org/presentationml/2006/main">
+  <p:cSld>
+    <p:spTree>
+      <p:nvGrpSpPr>
+        <p:cNvPr id="1" name=""/>
+        <p:cNvGrpSpPr/>
+        <p:nvPr/>
+      </p:nvGrpSpPr>
+      <p:grpSpPr>
+        <a:xfrm>
+          <a:off x="0" y="0"/>
+          <a:ext cx="0" cy="0"/>
+          <a:chOff x="0" y="0"/>
+          <a:chExt cx="0" cy="0"/>
+        </a:xfrm>
+      </p:grpSpPr>
+      <p:sp>
+        <p:nvSpPr>
+          <p:cNvPr id="2" name="Title 1">
+            <a:extLst>
+              <a:ext uri="{FF2B5EF4-FFF2-40B4-BE49-F238E27FC236}">
+                <a16:creationId xmlns:a16="http://schemas.microsoft.com/office/drawing/2014/main" id="{290494FE-E062-62AA-2AFF-1AE1A179936F}"/>
+              </a:ext>
+            </a:extLst>
+          </p:cNvPr>
+          <p:cNvSpPr>
+            <a:spLocks noGrp="1"/>
+          </p:cNvSpPr>
+          <p:nvPr>
+            <p:ph type="title"/>
+          </p:nvPr>
+        </p:nvSpPr>
+        <p:spPr/>
+        <p:txBody>
+          <a:bodyPr/>
+          <a:lstStyle/>
+          <a:p>
+            <a:r>
+              <a:rPr lang="en-US" dirty="0"/>
+              <a:t>Banner</a:t>
+            </a:r>
+          </a:p>
+        </p:txBody>
+      </p:sp>
+      <p:sp>
+        <p:nvSpPr>
+          <p:cNvPr id="3" name="Content Placeholder 2">
+            <a:extLst>
+              <a:ext uri="{FF2B5EF4-FFF2-40B4-BE49-F238E27FC236}">
+                <a16:creationId xmlns:a16="http://schemas.microsoft.com/office/drawing/2014/main" id="{C5F3889F-D86E-CE72-287F-8C432BC3739E}"/>
+              </a:ext>
+            </a:extLst>
+          </p:cNvPr>
+          <p:cNvSpPr>
+            <a:spLocks noGrp="1"/>
+          </p:cNvSpPr>
+          <p:nvPr>
+            <p:ph idx="1"/>
+          </p:nvPr>
+        </p:nvSpPr>
+        <p:spPr>
+          <a:xfrm>
+            <a:off x="838200" y="5555673"/>
+            <a:ext cx="10515600" cy="621290"/>
+          </a:xfrm>
+        </p:spPr>
+        <p:txBody>
+          <a:bodyPr/>
+          <a:lstStyle/>
+          <a:p>
+            <a:r>
+              <a:rPr lang="en-US" dirty="0"/>
+              <a:t>banner</a:t>
+            </a:r>
+          </a:p>
+        </p:txBody>
+      </p:sp>
+      <p:pic>
+        <p:nvPicPr>
+          <p:cNvPr id="5" name="Picture 4" descr="A digital clock with wires&#10;&#10;Description automatically generated">
+            <a:extLst>
+              <a:ext uri="{FF2B5EF4-FFF2-40B4-BE49-F238E27FC236}">
+                <a16:creationId xmlns:a16="http://schemas.microsoft.com/office/drawing/2014/main" id="{9C53BE7D-0E92-9A93-F49A-BBDA43642BEC}"/>
+              </a:ext>
+            </a:extLst>
+          </p:cNvPr>
+          <p:cNvPicPr>
+            <a:picLocks noChangeAspect="1"/>
+          </p:cNvPicPr>
+          <p:nvPr/>
+        </p:nvPicPr>
+        <p:blipFill>
+          <a:blip r:embed="rId2"/>
+          <a:stretch>
+            <a:fillRect/>
+          </a:stretch>
+        </p:blipFill>
+        <p:spPr>
+          <a:xfrm>
+            <a:off x="1114137" y="2336573"/>
+            <a:ext cx="2792846" cy="1813437"/>
+          </a:xfrm>
+          <a:prstGeom prst="rect">
+            <a:avLst/>
+          </a:prstGeom>
+        </p:spPr>
+      </p:pic>
+      <p:pic>
+        <p:nvPicPr>
+          <p:cNvPr id="8" name="Picture 7">
+            <a:extLst>
+              <a:ext uri="{FF2B5EF4-FFF2-40B4-BE49-F238E27FC236}">
+                <a16:creationId xmlns:a16="http://schemas.microsoft.com/office/drawing/2014/main" id="{89583B60-94D2-EE03-6F78-011583DD2F58}"/>
+              </a:ext>
+            </a:extLst>
+          </p:cNvPr>
+          <p:cNvPicPr>
+            <a:picLocks noChangeAspect="1"/>
+          </p:cNvPicPr>
+          <p:nvPr/>
+        </p:nvPicPr>
+        <p:blipFill>
+          <a:blip r:embed="rId3"/>
+          <a:stretch>
+            <a:fillRect/>
+          </a:stretch>
+        </p:blipFill>
+        <p:spPr>
+          <a:xfrm>
+            <a:off x="3906983" y="2346609"/>
+            <a:ext cx="1910195" cy="1793364"/>
+          </a:xfrm>
+          <a:prstGeom prst="rect">
+            <a:avLst/>
+          </a:prstGeom>
+        </p:spPr>
+      </p:pic>
+      <p:pic>
+        <p:nvPicPr>
+          <p:cNvPr id="9" name="Picture 8">
+            <a:extLst>
+              <a:ext uri="{FF2B5EF4-FFF2-40B4-BE49-F238E27FC236}">
+                <a16:creationId xmlns:a16="http://schemas.microsoft.com/office/drawing/2014/main" id="{1BD7FCA9-8E05-97E9-6E99-239DBD632C5D}"/>
+              </a:ext>
+            </a:extLst>
+          </p:cNvPr>
+          <p:cNvPicPr>
+            <a:picLocks noChangeAspect="1"/>
+          </p:cNvPicPr>
+          <p:nvPr/>
+        </p:nvPicPr>
+        <p:blipFill>
+          <a:blip r:embed="rId4"/>
+          <a:stretch>
+            <a:fillRect/>
+          </a:stretch>
+        </p:blipFill>
+        <p:spPr>
+          <a:xfrm>
+            <a:off x="6096000" y="2346609"/>
+            <a:ext cx="2593973" cy="1793364"/>
+          </a:xfrm>
+          <a:prstGeom prst="rect">
+            <a:avLst/>
+          </a:prstGeom>
+        </p:spPr>
+      </p:pic>
+    </p:spTree>
+    <p:extLst>
+      <p:ext uri="{BB962C8B-B14F-4D97-AF65-F5344CB8AC3E}">
+        <p14:creationId xmlns:p14="http://schemas.microsoft.com/office/powerpoint/2010/main" val="75731153"/>
       </p:ext>
     </p:extLst>
   </p:cSld>
